--- a/design/CS343 - P1 Sketch Up.pptx
+++ b/design/CS343 - P1 Sketch Up.pptx
@@ -5,10 +5,10 @@
     <p:sldMasterId id="2147483648" r:id="rId1"/>
   </p:sldMasterIdLst>
   <p:notesMasterIdLst>
-    <p:notesMasterId r:id="rId7"/>
+    <p:notesMasterId r:id="rId8"/>
   </p:notesMasterIdLst>
   <p:handoutMasterIdLst>
-    <p:handoutMasterId r:id="rId8"/>
+    <p:handoutMasterId r:id="rId9"/>
   </p:handoutMasterIdLst>
   <p:sldIdLst>
     <p:sldId id="260" r:id="rId2"/>
@@ -16,6 +16,7 @@
     <p:sldId id="259" r:id="rId4"/>
     <p:sldId id="257" r:id="rId5"/>
     <p:sldId id="261" r:id="rId6"/>
+    <p:sldId id="262" r:id="rId7"/>
   </p:sldIdLst>
   <p:sldSz cx="12192000" cy="6858000"/>
   <p:notesSz cx="6858000" cy="9144000"/>
@@ -124,6 +125,7 @@
             <p14:sldId id="259"/>
             <p14:sldId id="257"/>
             <p14:sldId id="261"/>
+            <p14:sldId id="262"/>
           </p14:sldIdLst>
         </p14:section>
       </p14:sectionLst>
@@ -640,7 +642,7 @@
           <a:p>
             <a:fld id="{6C46CE54-BD2E-41FE-BE72-7BEA4959370F}" type="datetimeFigureOut">
               <a:rPr lang="en-US" smtClean="0"/>
-              <a:t>3/1/2023</a:t>
+              <a:t>3/4/2023</a:t>
             </a:fld>
             <a:endParaRPr lang="en-US"/>
           </a:p>
@@ -821,7 +823,7 @@
           <a:p>
             <a:fld id="{B84FA905-C296-4654-A02B-CBD94A6E354C}" type="datetimeFigureOut">
               <a:rPr lang="en-US" smtClean="0"/>
-              <a:t>3/1/2023</a:t>
+              <a:t>3/4/2023</a:t>
             </a:fld>
             <a:endParaRPr lang="en-US"/>
           </a:p>
@@ -1236,7 +1238,7 @@
           <a:p>
             <a:fld id="{EE073280-078C-41BF-B25B-28D003E3F100}" type="datetime1">
               <a:rPr lang="en-US" smtClean="0"/>
-              <a:t>3/1/2023</a:t>
+              <a:t>3/4/2023</a:t>
             </a:fld>
             <a:endParaRPr lang="en-US"/>
           </a:p>
@@ -1434,7 +1436,7 @@
           <a:p>
             <a:fld id="{F03A2BC1-4ECB-473B-BF54-88BEA17E81B6}" type="datetime1">
               <a:rPr lang="en-US" smtClean="0"/>
-              <a:t>3/1/2023</a:t>
+              <a:t>3/4/2023</a:t>
             </a:fld>
             <a:endParaRPr lang="en-US"/>
           </a:p>
@@ -1642,7 +1644,7 @@
           <a:p>
             <a:fld id="{8066F12A-DE10-44B0-9A75-A2F4301237C0}" type="datetime1">
               <a:rPr lang="en-US" smtClean="0"/>
-              <a:t>3/1/2023</a:t>
+              <a:t>3/4/2023</a:t>
             </a:fld>
             <a:endParaRPr lang="en-US"/>
           </a:p>
@@ -1840,7 +1842,7 @@
           <a:p>
             <a:fld id="{2A160F06-FCD5-446D-8C9A-46F03C86BC15}" type="datetime1">
               <a:rPr lang="en-US" smtClean="0"/>
-              <a:t>3/1/2023</a:t>
+              <a:t>3/4/2023</a:t>
             </a:fld>
             <a:endParaRPr lang="en-US"/>
           </a:p>
@@ -2115,7 +2117,7 @@
           <a:p>
             <a:fld id="{8154A6A3-C671-419E-9AE0-74951519BEC3}" type="datetime1">
               <a:rPr lang="en-US" smtClean="0"/>
-              <a:t>3/1/2023</a:t>
+              <a:t>3/4/2023</a:t>
             </a:fld>
             <a:endParaRPr lang="en-US"/>
           </a:p>
@@ -2380,7 +2382,7 @@
           <a:p>
             <a:fld id="{F9649ED7-A885-408C-AB40-8BC3B36ADB10}" type="datetime1">
               <a:rPr lang="en-US" smtClean="0"/>
-              <a:t>3/1/2023</a:t>
+              <a:t>3/4/2023</a:t>
             </a:fld>
             <a:endParaRPr lang="en-US"/>
           </a:p>
@@ -2792,7 +2794,7 @@
           <a:p>
             <a:fld id="{D7357FD6-9F82-4226-8649-0F0685DBC4CE}" type="datetime1">
               <a:rPr lang="en-US" smtClean="0"/>
-              <a:t>3/1/2023</a:t>
+              <a:t>3/4/2023</a:t>
             </a:fld>
             <a:endParaRPr lang="en-US"/>
           </a:p>
@@ -2933,7 +2935,7 @@
           <a:p>
             <a:fld id="{54AAC818-3867-4DC9-90D9-575FAD8728F7}" type="datetime1">
               <a:rPr lang="en-US" smtClean="0"/>
-              <a:t>3/1/2023</a:t>
+              <a:t>3/4/2023</a:t>
             </a:fld>
             <a:endParaRPr lang="en-US"/>
           </a:p>
@@ -3046,7 +3048,7 @@
           <a:p>
             <a:fld id="{D3C79BAF-729F-4BAB-891D-067322EA9431}" type="datetime1">
               <a:rPr lang="en-US" smtClean="0"/>
-              <a:t>3/1/2023</a:t>
+              <a:t>3/4/2023</a:t>
             </a:fld>
             <a:endParaRPr lang="en-US"/>
           </a:p>
@@ -3357,7 +3359,7 @@
           <a:p>
             <a:fld id="{F64C3EE0-1BA3-40D7-AB11-D8A0BE1EA913}" type="datetime1">
               <a:rPr lang="en-US" smtClean="0"/>
-              <a:t>3/1/2023</a:t>
+              <a:t>3/4/2023</a:t>
             </a:fld>
             <a:endParaRPr lang="en-US"/>
           </a:p>
@@ -3645,7 +3647,7 @@
           <a:p>
             <a:fld id="{ABBE903A-E1FB-4CAD-89D5-BBF4E5E9ECA7}" type="datetime1">
               <a:rPr lang="en-US" smtClean="0"/>
-              <a:t>3/1/2023</a:t>
+              <a:t>3/4/2023</a:t>
             </a:fld>
             <a:endParaRPr lang="en-US"/>
           </a:p>
@@ -3886,7 +3888,7 @@
           <a:p>
             <a:fld id="{58E27D20-E9D1-4F86-9589-03BE23705F7F}" type="datetime1">
               <a:rPr lang="en-US" smtClean="0"/>
-              <a:t>3/1/2023</a:t>
+              <a:t>3/4/2023</a:t>
             </a:fld>
             <a:endParaRPr lang="en-US"/>
           </a:p>
@@ -4341,11 +4343,18 @@
           <a:lstStyle/>
           <a:p>
             <a:r>
+              <a:rPr lang="en-US" u="sng" dirty="0">
+                <a:latin typeface="Arial" panose="020B0604020202020204" pitchFamily="34" charset="0"/>
+                <a:cs typeface="Arial" panose="020B0604020202020204" pitchFamily="34" charset="0"/>
+              </a:rPr>
+              <a:t>Home</a:t>
+            </a:r>
+            <a:r>
               <a:rPr lang="en-US" dirty="0">
                 <a:latin typeface="Arial" panose="020B0604020202020204" pitchFamily="34" charset="0"/>
                 <a:cs typeface="Arial" panose="020B0604020202020204" pitchFamily="34" charset="0"/>
               </a:rPr>
-              <a:t>Home		Gallery		Commissions		About		Links		</a:t>
+              <a:t>		Gallery		Commissions		About		Links		</a:t>
             </a:r>
           </a:p>
         </p:txBody>
@@ -4493,8 +4502,8 @@
         </p:blipFill>
         <p:spPr>
           <a:xfrm>
-            <a:off x="994194" y="2770547"/>
-            <a:ext cx="2453856" cy="2601087"/>
+            <a:off x="756244" y="2189118"/>
+            <a:ext cx="2844857" cy="3015548"/>
           </a:xfrm>
           <a:prstGeom prst="rect">
             <a:avLst/>
@@ -4515,8 +4524,8 @@
         </p:nvSpPr>
         <p:spPr>
           <a:xfrm>
-            <a:off x="994194" y="5629275"/>
-            <a:ext cx="2236381" cy="584775"/>
+            <a:off x="756244" y="5204666"/>
+            <a:ext cx="1529073" cy="307777"/>
           </a:xfrm>
           <a:prstGeom prst="rect">
             <a:avLst/>
@@ -4529,35 +4538,24 @@
           </a:bodyPr>
           <a:lstStyle/>
           <a:p>
-            <a:pPr algn="ctr"/>
-            <a:r>
-              <a:rPr lang="en-US" sz="1600" dirty="0">
+            <a:r>
+              <a:rPr lang="en-US" sz="1400" dirty="0">
                 <a:latin typeface="Times New Roman" panose="02020603050405020304" pitchFamily="18" charset="0"/>
                 <a:cs typeface="Times New Roman" panose="02020603050405020304" pitchFamily="18" charset="0"/>
               </a:rPr>
               <a:t>Ginevra De’ </a:t>
             </a:r>
             <a:r>
-              <a:rPr lang="en-US" sz="1600" dirty="0" err="1">
+              <a:rPr lang="en-US" sz="1400" dirty="0" err="1">
                 <a:latin typeface="Times New Roman" panose="02020603050405020304" pitchFamily="18" charset="0"/>
                 <a:cs typeface="Times New Roman" panose="02020603050405020304" pitchFamily="18" charset="0"/>
               </a:rPr>
               <a:t>Benci</a:t>
             </a:r>
-            <a:endParaRPr lang="en-US" sz="1600" dirty="0">
+            <a:endParaRPr lang="en-US" sz="1400" dirty="0">
               <a:latin typeface="Times New Roman" panose="02020603050405020304" pitchFamily="18" charset="0"/>
               <a:cs typeface="Times New Roman" panose="02020603050405020304" pitchFamily="18" charset="0"/>
             </a:endParaRPr>
-          </a:p>
-          <a:p>
-            <a:pPr algn="ctr"/>
-            <a:r>
-              <a:rPr lang="en-US" sz="1600" dirty="0">
-                <a:latin typeface="Times New Roman" panose="02020603050405020304" pitchFamily="18" charset="0"/>
-                <a:cs typeface="Times New Roman" panose="02020603050405020304" pitchFamily="18" charset="0"/>
-              </a:rPr>
-              <a:t>(National Gallery of Art)</a:t>
-            </a:r>
           </a:p>
         </p:txBody>
       </p:sp>
@@ -4589,8 +4587,8 @@
         </p:blipFill>
         <p:spPr>
           <a:xfrm>
-            <a:off x="4653330" y="2555162"/>
-            <a:ext cx="2254168" cy="3031856"/>
+            <a:off x="4442465" y="2189118"/>
+            <a:ext cx="2242042" cy="3015548"/>
           </a:xfrm>
           <a:prstGeom prst="rect">
             <a:avLst/>
@@ -4611,8 +4609,8 @@
         </p:nvSpPr>
         <p:spPr>
           <a:xfrm>
-            <a:off x="4568062" y="5629274"/>
-            <a:ext cx="2053767" cy="584775"/>
+            <a:off x="4442465" y="5204666"/>
+            <a:ext cx="1704313" cy="307777"/>
           </a:xfrm>
           <a:prstGeom prst="rect">
             <a:avLst/>
@@ -4625,37 +4623,12 @@
           </a:bodyPr>
           <a:lstStyle/>
           <a:p>
-            <a:pPr algn="ctr"/>
-            <a:r>
-              <a:rPr lang="en-US" sz="1600" dirty="0">
+            <a:r>
+              <a:rPr lang="en-US" sz="1400" dirty="0">
                 <a:latin typeface="Times New Roman" panose="02020603050405020304" pitchFamily="18" charset="0"/>
                 <a:cs typeface="Times New Roman" panose="02020603050405020304" pitchFamily="18" charset="0"/>
               </a:rPr>
               <a:t>Lady with an Ermine</a:t>
-            </a:r>
-          </a:p>
-          <a:p>
-            <a:pPr algn="ctr"/>
-            <a:r>
-              <a:rPr lang="en-US" sz="1600" dirty="0">
-                <a:latin typeface="Times New Roman" panose="02020603050405020304" pitchFamily="18" charset="0"/>
-                <a:cs typeface="Times New Roman" panose="02020603050405020304" pitchFamily="18" charset="0"/>
-              </a:rPr>
-              <a:t>(</a:t>
-            </a:r>
-            <a:r>
-              <a:rPr lang="en-US" sz="1600" dirty="0" err="1">
-                <a:latin typeface="Times New Roman" panose="02020603050405020304" pitchFamily="18" charset="0"/>
-                <a:cs typeface="Times New Roman" panose="02020603050405020304" pitchFamily="18" charset="0"/>
-              </a:rPr>
-              <a:t>Czartoryski</a:t>
-            </a:r>
-            <a:r>
-              <a:rPr lang="en-US" sz="1600" dirty="0">
-                <a:latin typeface="Times New Roman" panose="02020603050405020304" pitchFamily="18" charset="0"/>
-                <a:cs typeface="Times New Roman" panose="02020603050405020304" pitchFamily="18" charset="0"/>
-              </a:rPr>
-              <a:t> Museum)</a:t>
             </a:r>
           </a:p>
         </p:txBody>
@@ -4688,8 +4661,8 @@
         </p:blipFill>
         <p:spPr>
           <a:xfrm>
-            <a:off x="7261988" y="2959015"/>
-            <a:ext cx="4825237" cy="2412619"/>
+            <a:off x="7555956" y="2189118"/>
+            <a:ext cx="3885267" cy="1942634"/>
           </a:xfrm>
           <a:prstGeom prst="rect">
             <a:avLst/>
@@ -4710,8 +4683,8 @@
         </p:nvSpPr>
         <p:spPr>
           <a:xfrm>
-            <a:off x="8647722" y="5629274"/>
-            <a:ext cx="2374368" cy="584775"/>
+            <a:off x="7525871" y="4131752"/>
+            <a:ext cx="1370888" cy="307777"/>
           </a:xfrm>
           <a:prstGeom prst="rect">
             <a:avLst/>
@@ -4724,61 +4697,109 @@
           </a:bodyPr>
           <a:lstStyle/>
           <a:p>
-            <a:pPr algn="ctr"/>
-            <a:r>
-              <a:rPr lang="en-US" sz="1600" dirty="0">
+            <a:r>
+              <a:rPr lang="en-US" sz="1400" dirty="0">
                 <a:latin typeface="Times New Roman" panose="02020603050405020304" pitchFamily="18" charset="0"/>
                 <a:cs typeface="Times New Roman" panose="02020603050405020304" pitchFamily="18" charset="0"/>
               </a:rPr>
-              <a:t>Last Supper</a:t>
-            </a:r>
-          </a:p>
-          <a:p>
-            <a:pPr algn="ctr"/>
-            <a:r>
-              <a:rPr lang="en-US" sz="1600" dirty="0">
-                <a:latin typeface="Times New Roman" panose="02020603050405020304" pitchFamily="18" charset="0"/>
-                <a:cs typeface="Times New Roman" panose="02020603050405020304" pitchFamily="18" charset="0"/>
+              <a:t>The Last Supper</a:t>
+            </a:r>
+          </a:p>
+        </p:txBody>
+      </p:sp>
+      <p:sp>
+        <p:nvSpPr>
+          <p:cNvPr id="20" name="TextBox 19">
+            <a:extLst>
+              <a:ext uri="{FF2B5EF4-FFF2-40B4-BE49-F238E27FC236}">
+                <a16:creationId xmlns:a16="http://schemas.microsoft.com/office/drawing/2014/main" id="{06F75322-F22B-E966-A8D6-E9AC3B3902C1}"/>
+              </a:ext>
+            </a:extLst>
+          </p:cNvPr>
+          <p:cNvSpPr txBox="1"/>
+          <p:nvPr/>
+        </p:nvSpPr>
+        <p:spPr>
+          <a:xfrm>
+            <a:off x="1333132" y="368717"/>
+            <a:ext cx="11663082" cy="369332"/>
+          </a:xfrm>
+          <a:prstGeom prst="rect">
+            <a:avLst/>
+          </a:prstGeom>
+          <a:noFill/>
+        </p:spPr>
+        <p:txBody>
+          <a:bodyPr wrap="square" rtlCol="0">
+            <a:spAutoFit/>
+          </a:bodyPr>
+          <a:lstStyle/>
+          <a:p>
+            <a:r>
+              <a:rPr lang="en-US" dirty="0">
+                <a:latin typeface="Arial" panose="020B0604020202020204" pitchFamily="34" charset="0"/>
+                <a:cs typeface="Arial" panose="020B0604020202020204" pitchFamily="34" charset="0"/>
               </a:rPr>
-              <a:t>(Santa Maria </a:t>
-            </a:r>
-            <a:r>
-              <a:rPr lang="en-US" sz="1600" dirty="0" err="1">
-                <a:latin typeface="Times New Roman" panose="02020603050405020304" pitchFamily="18" charset="0"/>
-                <a:cs typeface="Times New Roman" panose="02020603050405020304" pitchFamily="18" charset="0"/>
+              <a:t>Home		</a:t>
+            </a:r>
+            <a:r>
+              <a:rPr lang="en-US" u="sng" dirty="0">
+                <a:latin typeface="Arial" panose="020B0604020202020204" pitchFamily="34" charset="0"/>
+                <a:cs typeface="Arial" panose="020B0604020202020204" pitchFamily="34" charset="0"/>
               </a:rPr>
-              <a:t>delle</a:t>
-            </a:r>
-            <a:r>
-              <a:rPr lang="en-US" sz="1600" dirty="0">
-                <a:latin typeface="Times New Roman" panose="02020603050405020304" pitchFamily="18" charset="0"/>
-                <a:cs typeface="Times New Roman" panose="02020603050405020304" pitchFamily="18" charset="0"/>
+              <a:t>Gallery</a:t>
+            </a:r>
+            <a:r>
+              <a:rPr lang="en-US" dirty="0">
+                <a:latin typeface="Arial" panose="020B0604020202020204" pitchFamily="34" charset="0"/>
+                <a:cs typeface="Arial" panose="020B0604020202020204" pitchFamily="34" charset="0"/>
               </a:rPr>
-              <a:t> </a:t>
-            </a:r>
-            <a:r>
-              <a:rPr lang="en-US" sz="1600" dirty="0" err="1">
-                <a:latin typeface="Times New Roman" panose="02020603050405020304" pitchFamily="18" charset="0"/>
-                <a:cs typeface="Times New Roman" panose="02020603050405020304" pitchFamily="18" charset="0"/>
-              </a:rPr>
-              <a:t>Grazie</a:t>
-            </a:r>
-            <a:r>
-              <a:rPr lang="en-US" sz="1600" dirty="0">
-                <a:latin typeface="Times New Roman" panose="02020603050405020304" pitchFamily="18" charset="0"/>
-                <a:cs typeface="Times New Roman" panose="02020603050405020304" pitchFamily="18" charset="0"/>
-              </a:rPr>
-              <a:t>)</a:t>
-            </a:r>
-          </a:p>
-        </p:txBody>
-      </p:sp>
-      <p:sp>
-        <p:nvSpPr>
-          <p:cNvPr id="19" name="Title 1">
-            <a:extLst>
-              <a:ext uri="{FF2B5EF4-FFF2-40B4-BE49-F238E27FC236}">
-                <a16:creationId xmlns:a16="http://schemas.microsoft.com/office/drawing/2014/main" id="{A0A3D197-6A23-319C-2966-A256E70D33E2}"/>
+              <a:t>		Commissions		About		Links		</a:t>
+            </a:r>
+          </a:p>
+        </p:txBody>
+      </p:sp>
+      <p:sp>
+        <p:nvSpPr>
+          <p:cNvPr id="2" name="TextBox 1">
+            <a:extLst>
+              <a:ext uri="{FF2B5EF4-FFF2-40B4-BE49-F238E27FC236}">
+                <a16:creationId xmlns:a16="http://schemas.microsoft.com/office/drawing/2014/main" id="{BB922B4C-CEE0-1D09-0E03-27860C3DFFED}"/>
+              </a:ext>
+            </a:extLst>
+          </p:cNvPr>
+          <p:cNvSpPr txBox="1"/>
+          <p:nvPr/>
+        </p:nvSpPr>
+        <p:spPr>
+          <a:xfrm>
+            <a:off x="493059" y="6490447"/>
+            <a:ext cx="9053761" cy="369332"/>
+          </a:xfrm>
+          <a:prstGeom prst="rect">
+            <a:avLst/>
+          </a:prstGeom>
+          <a:noFill/>
+        </p:spPr>
+        <p:txBody>
+          <a:bodyPr wrap="none" rtlCol="0">
+            <a:spAutoFit/>
+          </a:bodyPr>
+          <a:lstStyle/>
+          <a:p>
+            <a:r>
+              <a:rPr lang="en-US" dirty="0"/>
+              <a:t>Dev Note: Only contains one row (website has 3); Sizes/Spaces are slightly different on website</a:t>
+            </a:r>
+          </a:p>
+        </p:txBody>
+      </p:sp>
+      <p:sp>
+        <p:nvSpPr>
+          <p:cNvPr id="3" name="Title 1">
+            <a:extLst>
+              <a:ext uri="{FF2B5EF4-FFF2-40B4-BE49-F238E27FC236}">
+                <a16:creationId xmlns:a16="http://schemas.microsoft.com/office/drawing/2014/main" id="{9B9B6960-6C0D-BE5F-E4C2-3959B11436B5}"/>
               </a:ext>
             </a:extLst>
           </p:cNvPr>
@@ -4789,7 +4810,7 @@
         </p:nvSpPr>
         <p:spPr>
           <a:xfrm>
-            <a:off x="337145" y="857150"/>
+            <a:off x="376518" y="616136"/>
             <a:ext cx="10515600" cy="1325563"/>
           </a:xfrm>
           <a:prstGeom prst="rect">
@@ -4825,45 +4846,7 @@
                 <a:latin typeface="Arial" panose="020B0604020202020204" pitchFamily="34" charset="0"/>
                 <a:cs typeface="Arial" panose="020B0604020202020204" pitchFamily="34" charset="0"/>
               </a:rPr>
-              <a:t>Gallery (Dev Note: one row; website will have more)</a:t>
-            </a:r>
-          </a:p>
-        </p:txBody>
-      </p:sp>
-      <p:sp>
-        <p:nvSpPr>
-          <p:cNvPr id="20" name="TextBox 19">
-            <a:extLst>
-              <a:ext uri="{FF2B5EF4-FFF2-40B4-BE49-F238E27FC236}">
-                <a16:creationId xmlns:a16="http://schemas.microsoft.com/office/drawing/2014/main" id="{06F75322-F22B-E966-A8D6-E9AC3B3902C1}"/>
-              </a:ext>
-            </a:extLst>
-          </p:cNvPr>
-          <p:cNvSpPr txBox="1"/>
-          <p:nvPr/>
-        </p:nvSpPr>
-        <p:spPr>
-          <a:xfrm>
-            <a:off x="1333132" y="368717"/>
-            <a:ext cx="11663082" cy="369332"/>
-          </a:xfrm>
-          <a:prstGeom prst="rect">
-            <a:avLst/>
-          </a:prstGeom>
-          <a:noFill/>
-        </p:spPr>
-        <p:txBody>
-          <a:bodyPr wrap="square" rtlCol="0">
-            <a:spAutoFit/>
-          </a:bodyPr>
-          <a:lstStyle/>
-          <a:p>
-            <a:r>
-              <a:rPr lang="en-US" dirty="0">
-                <a:latin typeface="Arial" panose="020B0604020202020204" pitchFamily="34" charset="0"/>
-                <a:cs typeface="Arial" panose="020B0604020202020204" pitchFamily="34" charset="0"/>
-              </a:rPr>
-              <a:t>Home		Gallery		Commissions		About		Links		</a:t>
+              <a:t>Gallery</a:t>
             </a:r>
           </a:p>
         </p:txBody>
@@ -4991,8 +4974,8 @@
         </p:blipFill>
         <p:spPr>
           <a:xfrm>
-            <a:off x="737906" y="1941699"/>
-            <a:ext cx="2614893" cy="3896190"/>
+            <a:off x="860766" y="1825563"/>
+            <a:ext cx="2961714" cy="4412953"/>
           </a:xfrm>
           <a:prstGeom prst="rect">
             <a:avLst/>
@@ -5070,8 +5053,8 @@
         </p:nvSpPr>
         <p:spPr>
           <a:xfrm>
-            <a:off x="1212913" y="5920901"/>
-            <a:ext cx="1418978" cy="830997"/>
+            <a:off x="860766" y="6238516"/>
+            <a:ext cx="1069524" cy="338554"/>
           </a:xfrm>
           <a:prstGeom prst="rect">
             <a:avLst/>
@@ -5092,24 +5075,6 @@
               <a:t>Mona Lisa</a:t>
             </a:r>
           </a:p>
-          <a:p>
-            <a:r>
-              <a:rPr lang="en-US" sz="1600" dirty="0">
-                <a:latin typeface="Times New Roman" panose="02020603050405020304" pitchFamily="18" charset="0"/>
-                <a:cs typeface="Times New Roman" panose="02020603050405020304" pitchFamily="18" charset="0"/>
-              </a:rPr>
-              <a:t>Louvre</a:t>
-            </a:r>
-          </a:p>
-          <a:p>
-            <a:r>
-              <a:rPr lang="en-US" sz="1600" dirty="0">
-                <a:latin typeface="Times New Roman" panose="02020603050405020304" pitchFamily="18" charset="0"/>
-                <a:cs typeface="Times New Roman" panose="02020603050405020304" pitchFamily="18" charset="0"/>
-              </a:rPr>
-              <a:t>Commissioned</a:t>
-            </a:r>
-          </a:p>
         </p:txBody>
       </p:sp>
       <p:sp>
@@ -5126,7 +5091,7 @@
         </p:nvSpPr>
         <p:spPr>
           <a:xfrm>
-            <a:off x="4799220" y="1941699"/>
+            <a:off x="5284995" y="1941699"/>
             <a:ext cx="6094425" cy="646331"/>
           </a:xfrm>
           <a:prstGeom prst="rect">
@@ -5173,7 +5138,7 @@
         </p:nvSpPr>
         <p:spPr>
           <a:xfrm>
-            <a:off x="5848350" y="3228074"/>
+            <a:off x="6334125" y="3228074"/>
             <a:ext cx="3756028" cy="1323439"/>
           </a:xfrm>
           <a:prstGeom prst="rect">
@@ -5304,7 +5269,21 @@
                 <a:latin typeface="Arial" panose="020B0604020202020204" pitchFamily="34" charset="0"/>
                 <a:cs typeface="Arial" panose="020B0604020202020204" pitchFamily="34" charset="0"/>
               </a:rPr>
-              <a:t>Home		Gallery		Commissions		About		Links		</a:t>
+              <a:t>Home		Gallery		</a:t>
+            </a:r>
+            <a:r>
+              <a:rPr lang="en-US" u="sng" dirty="0">
+                <a:latin typeface="Arial" panose="020B0604020202020204" pitchFamily="34" charset="0"/>
+                <a:cs typeface="Arial" panose="020B0604020202020204" pitchFamily="34" charset="0"/>
+              </a:rPr>
+              <a:t>Commissions</a:t>
+            </a:r>
+            <a:r>
+              <a:rPr lang="en-US" dirty="0">
+                <a:latin typeface="Arial" panose="020B0604020202020204" pitchFamily="34" charset="0"/>
+                <a:cs typeface="Arial" panose="020B0604020202020204" pitchFamily="34" charset="0"/>
+              </a:rPr>
+              <a:t>		About		Links		</a:t>
             </a:r>
           </a:p>
         </p:txBody>
@@ -5416,7 +5395,7 @@
         </p:blipFill>
         <p:spPr>
           <a:xfrm>
-            <a:off x="376518" y="1765610"/>
+            <a:off x="717176" y="1800846"/>
             <a:ext cx="3084513" cy="4351337"/>
           </a:xfrm>
         </p:spPr>
@@ -5454,7 +5433,21 @@
                 <a:latin typeface="Arial" panose="020B0604020202020204" pitchFamily="34" charset="0"/>
                 <a:cs typeface="Arial" panose="020B0604020202020204" pitchFamily="34" charset="0"/>
               </a:rPr>
-              <a:t>Home		Gallery		Commissions		About		Links		</a:t>
+              <a:t>Home		Gallery		Commissions		</a:t>
+            </a:r>
+            <a:r>
+              <a:rPr lang="en-US" u="sng" dirty="0">
+                <a:latin typeface="Arial" panose="020B0604020202020204" pitchFamily="34" charset="0"/>
+                <a:cs typeface="Arial" panose="020B0604020202020204" pitchFamily="34" charset="0"/>
+              </a:rPr>
+              <a:t>About</a:t>
+            </a:r>
+            <a:r>
+              <a:rPr lang="en-US" dirty="0">
+                <a:latin typeface="Arial" panose="020B0604020202020204" pitchFamily="34" charset="0"/>
+                <a:cs typeface="Arial" panose="020B0604020202020204" pitchFamily="34" charset="0"/>
+              </a:rPr>
+              <a:t>		Links		</a:t>
             </a:r>
           </a:p>
         </p:txBody>
@@ -5473,7 +5466,7 @@
         </p:nvSpPr>
         <p:spPr>
           <a:xfrm>
-            <a:off x="376518" y="6241864"/>
+            <a:off x="717176" y="6181506"/>
             <a:ext cx="1188146" cy="307777"/>
           </a:xfrm>
           <a:prstGeom prst="rect">
@@ -5511,7 +5504,7 @@
         </p:nvSpPr>
         <p:spPr>
           <a:xfrm>
-            <a:off x="4383741" y="2510118"/>
+            <a:off x="4724399" y="2545354"/>
             <a:ext cx="7091083" cy="2862322"/>
           </a:xfrm>
           <a:prstGeom prst="rect">
@@ -5639,7 +5632,21 @@
                 <a:latin typeface="Arial" panose="020B0604020202020204" pitchFamily="34" charset="0"/>
                 <a:cs typeface="Arial" panose="020B0604020202020204" pitchFamily="34" charset="0"/>
               </a:rPr>
-              <a:t>Home		Gallery		Commissions		About		Links		</a:t>
+              <a:t>Home		Gallery		Commissions		About		</a:t>
+            </a:r>
+            <a:r>
+              <a:rPr lang="en-US" u="sng" dirty="0">
+                <a:latin typeface="Arial" panose="020B0604020202020204" pitchFamily="34" charset="0"/>
+                <a:cs typeface="Arial" panose="020B0604020202020204" pitchFamily="34" charset="0"/>
+              </a:rPr>
+              <a:t>Links</a:t>
+            </a:r>
+            <a:r>
+              <a:rPr lang="en-US" dirty="0">
+                <a:latin typeface="Arial" panose="020B0604020202020204" pitchFamily="34" charset="0"/>
+                <a:cs typeface="Arial" panose="020B0604020202020204" pitchFamily="34" charset="0"/>
+              </a:rPr>
+              <a:t>		</a:t>
             </a:r>
           </a:p>
         </p:txBody>
@@ -5716,7 +5723,7 @@
         <p:spPr>
           <a:xfrm>
             <a:off x="2381250" y="2152650"/>
-            <a:ext cx="6638925" cy="4616648"/>
+            <a:ext cx="6638925" cy="4339650"/>
           </a:xfrm>
           <a:prstGeom prst="rect">
             <a:avLst/>
@@ -5786,17 +5793,7 @@
                 <a:latin typeface="Arial" panose="020B0604020202020204" pitchFamily="34" charset="0"/>
                 <a:cs typeface="Arial" panose="020B0604020202020204" pitchFamily="34" charset="0"/>
               </a:rPr>
-              <a:t>(These will be big buttons with links)</a:t>
-            </a:r>
-          </a:p>
-          <a:p>
-            <a:pPr algn="ctr"/>
-            <a:r>
-              <a:rPr lang="en-US" dirty="0">
-                <a:latin typeface="Arial" panose="020B0604020202020204" pitchFamily="34" charset="0"/>
-                <a:cs typeface="Arial" panose="020B0604020202020204" pitchFamily="34" charset="0"/>
-              </a:rPr>
-              <a:t>(I’m not sure where these links will lead to, but they will be buttons)</a:t>
+              <a:t>DEV NOTE: These are buttons with borders and backgrounds; I’m not sure how to put that into PowerPoint</a:t>
             </a:r>
           </a:p>
         </p:txBody>
@@ -5805,6 +5802,120 @@
     <p:extLst>
       <p:ext uri="{BB962C8B-B14F-4D97-AF65-F5344CB8AC3E}">
         <p14:creationId xmlns:p14="http://schemas.microsoft.com/office/powerpoint/2010/main" val="2584336876"/>
+      </p:ext>
+    </p:extLst>
+  </p:cSld>
+  <p:clrMapOvr>
+    <a:masterClrMapping/>
+  </p:clrMapOvr>
+</p:sld>
+</file>
+
+<file path=ppt/slides/slide6.xml><?xml version="1.0" encoding="utf-8"?>
+<p:sld xmlns:a="http://schemas.openxmlformats.org/drawingml/2006/main" xmlns:r="http://schemas.openxmlformats.org/officeDocument/2006/relationships" xmlns:p="http://schemas.openxmlformats.org/presentationml/2006/main">
+  <p:cSld>
+    <p:spTree>
+      <p:nvGrpSpPr>
+        <p:cNvPr id="1" name=""/>
+        <p:cNvGrpSpPr/>
+        <p:nvPr/>
+      </p:nvGrpSpPr>
+      <p:grpSpPr>
+        <a:xfrm>
+          <a:off x="0" y="0"/>
+          <a:ext cx="0" cy="0"/>
+          <a:chOff x="0" y="0"/>
+          <a:chExt cx="0" cy="0"/>
+        </a:xfrm>
+      </p:grpSpPr>
+      <p:sp>
+        <p:nvSpPr>
+          <p:cNvPr id="2" name="Title 1">
+            <a:extLst>
+              <a:ext uri="{FF2B5EF4-FFF2-40B4-BE49-F238E27FC236}">
+                <a16:creationId xmlns:a16="http://schemas.microsoft.com/office/drawing/2014/main" id="{9E2A4ED0-D323-1F75-ACB8-387F6C266BC2}"/>
+              </a:ext>
+            </a:extLst>
+          </p:cNvPr>
+          <p:cNvSpPr>
+            <a:spLocks noGrp="1"/>
+          </p:cNvSpPr>
+          <p:nvPr>
+            <p:ph type="title"/>
+          </p:nvPr>
+        </p:nvSpPr>
+        <p:spPr/>
+        <p:txBody>
+          <a:bodyPr/>
+          <a:lstStyle/>
+          <a:p>
+            <a:r>
+              <a:rPr lang="en-US"/>
+              <a:t>Additional Notes:</a:t>
+            </a:r>
+            <a:endParaRPr lang="en-US" dirty="0"/>
+          </a:p>
+        </p:txBody>
+      </p:sp>
+      <p:sp>
+        <p:nvSpPr>
+          <p:cNvPr id="3" name="Content Placeholder 2">
+            <a:extLst>
+              <a:ext uri="{FF2B5EF4-FFF2-40B4-BE49-F238E27FC236}">
+                <a16:creationId xmlns:a16="http://schemas.microsoft.com/office/drawing/2014/main" id="{6ACD9B19-71C5-C128-8C11-974D12E92B6D}"/>
+              </a:ext>
+            </a:extLst>
+          </p:cNvPr>
+          <p:cNvSpPr>
+            <a:spLocks noGrp="1"/>
+          </p:cNvSpPr>
+          <p:nvPr>
+            <p:ph idx="1"/>
+          </p:nvPr>
+        </p:nvSpPr>
+        <p:spPr/>
+        <p:txBody>
+          <a:bodyPr/>
+          <a:lstStyle/>
+          <a:p>
+            <a:r>
+              <a:rPr lang="en-US" dirty="0"/>
+              <a:t>PowerPoint and HTML/CSS do not produce one-to-one results; this is just a general overview </a:t>
+            </a:r>
+          </a:p>
+          <a:p>
+            <a:r>
+              <a:rPr lang="en-US" dirty="0"/>
+              <a:t>These do not include the mobile version (I don’t think PowerPoint enables adequate screen size)</a:t>
+            </a:r>
+          </a:p>
+          <a:p>
+            <a:pPr lvl="1"/>
+            <a:r>
+              <a:rPr lang="en-US" dirty="0"/>
+              <a:t>Mobile versions are entirely vertical</a:t>
+            </a:r>
+          </a:p>
+          <a:p>
+            <a:pPr lvl="1"/>
+            <a:r>
+              <a:rPr lang="en-US" dirty="0"/>
+              <a:t>Some of the font-sizes are changed</a:t>
+            </a:r>
+          </a:p>
+          <a:p>
+            <a:pPr lvl="1"/>
+            <a:r>
+              <a:rPr lang="en-US" dirty="0"/>
+              <a:t>Otherwise Identical</a:t>
+            </a:r>
+          </a:p>
+        </p:txBody>
+      </p:sp>
+    </p:spTree>
+    <p:extLst>
+      <p:ext uri="{BB962C8B-B14F-4D97-AF65-F5344CB8AC3E}">
+        <p14:creationId xmlns:p14="http://schemas.microsoft.com/office/powerpoint/2010/main" val="3480089905"/>
       </p:ext>
     </p:extLst>
   </p:cSld>

--- a/design/CS343 - P1 Sketch Up.pptx
+++ b/design/CS343 - P1 Sketch Up.pptx
@@ -5138,8 +5138,8 @@
         </p:nvSpPr>
         <p:spPr>
           <a:xfrm>
-            <a:off x="6334125" y="3228074"/>
-            <a:ext cx="3756028" cy="1323439"/>
+            <a:off x="6096000" y="2974874"/>
+            <a:ext cx="3756028" cy="830997"/>
           </a:xfrm>
           <a:prstGeom prst="rect">
             <a:avLst/>
@@ -5194,44 +5194,18 @@
           </a:p>
           <a:p>
             <a:r>
+              <a:rPr lang="en-US" sz="1600">
+                <a:latin typeface="Arial" panose="020B0604020202020204" pitchFamily="34" charset="0"/>
+                <a:cs typeface="Arial" panose="020B0604020202020204" pitchFamily="34" charset="0"/>
+              </a:rPr>
+              <a:t>(Submit</a:t>
+            </a:r>
+            <a:r>
               <a:rPr lang="en-US" sz="1600" dirty="0">
                 <a:latin typeface="Arial" panose="020B0604020202020204" pitchFamily="34" charset="0"/>
                 <a:cs typeface="Arial" panose="020B0604020202020204" pitchFamily="34" charset="0"/>
               </a:rPr>
-              <a:t>Phone Number: </a:t>
-            </a:r>
-            <a:r>
-              <a:rPr lang="en-US" sz="1600" u="sng" dirty="0">
-                <a:latin typeface="Arial" panose="020B0604020202020204" pitchFamily="34" charset="0"/>
-                <a:cs typeface="Arial" panose="020B0604020202020204" pitchFamily="34" charset="0"/>
-              </a:rPr>
-              <a:t>(xxx)-xxx-</a:t>
-            </a:r>
-            <a:r>
-              <a:rPr lang="en-US" sz="1600" u="sng" dirty="0" err="1">
-                <a:latin typeface="Arial" panose="020B0604020202020204" pitchFamily="34" charset="0"/>
-                <a:cs typeface="Arial" panose="020B0604020202020204" pitchFamily="34" charset="0"/>
-              </a:rPr>
-              <a:t>xxxx</a:t>
-            </a:r>
-            <a:endParaRPr lang="en-US" sz="1600" dirty="0">
-              <a:latin typeface="Arial" panose="020B0604020202020204" pitchFamily="34" charset="0"/>
-              <a:cs typeface="Arial" panose="020B0604020202020204" pitchFamily="34" charset="0"/>
-            </a:endParaRPr>
-          </a:p>
-          <a:p>
-            <a:endParaRPr lang="en-US" sz="1600" dirty="0">
-              <a:latin typeface="Arial" panose="020B0604020202020204" pitchFamily="34" charset="0"/>
-              <a:cs typeface="Arial" panose="020B0604020202020204" pitchFamily="34" charset="0"/>
-            </a:endParaRPr>
-          </a:p>
-          <a:p>
-            <a:r>
-              <a:rPr lang="en-US" sz="1600" dirty="0">
-                <a:latin typeface="Arial" panose="020B0604020202020204" pitchFamily="34" charset="0"/>
-                <a:cs typeface="Arial" panose="020B0604020202020204" pitchFamily="34" charset="0"/>
-              </a:rPr>
-              <a:t>(This will be an HTML Form)</a:t>
+              <a:t>)</a:t>
             </a:r>
           </a:p>
         </p:txBody>

--- a/design/CS343 - P1 Sketch Up.pptx
+++ b/design/CS343 - P1 Sketch Up.pptx
@@ -5497,7 +5497,21 @@
                 <a:latin typeface="Times New Roman" panose="02020603050405020304" pitchFamily="18" charset="0"/>
                 <a:cs typeface="Times New Roman" panose="02020603050405020304" pitchFamily="18" charset="0"/>
               </a:rPr>
-              <a:t>Leonardo Da Vinci is an accomplished Florentine artist, responsible for revolutionizing paintings techniques as we know it.</a:t>
+              <a:t>Leonardo Da Vinci is an accomplished Florentine artist, responsible for </a:t>
+            </a:r>
+            <a:r>
+              <a:rPr lang="en-US">
+                <a:latin typeface="Times New Roman" panose="02020603050405020304" pitchFamily="18" charset="0"/>
+                <a:cs typeface="Times New Roman" panose="02020603050405020304" pitchFamily="18" charset="0"/>
+              </a:rPr>
+              <a:t>revolutionizing painting </a:t>
+            </a:r>
+            <a:r>
+              <a:rPr lang="en-US" dirty="0">
+                <a:latin typeface="Times New Roman" panose="02020603050405020304" pitchFamily="18" charset="0"/>
+                <a:cs typeface="Times New Roman" panose="02020603050405020304" pitchFamily="18" charset="0"/>
+              </a:rPr>
+              <a:t>techniques as we know it.</a:t>
             </a:r>
           </a:p>
           <a:p>
